--- a/实现及测试阶段/SE2020-G01-实现阶段PPT0.1.pptx
+++ b/实现及测试阶段/SE2020-G01-实现阶段PPT0.1.pptx
@@ -229,7 +229,7 @@
           <a:p>
             <a:fld id="{4D53998B-F318-4269-A573-074B4A6F08C4}" type="datetimeFigureOut">
               <a:rPr lang="zh-CN" altLang="en-US" smtClean="0"/>
-              <a:t>2020/12/20</a:t>
+              <a:t>2021/1/1</a:t>
             </a:fld>
             <a:endParaRPr lang="zh-CN" altLang="en-US"/>
           </a:p>
@@ -6950,7 +6950,7 @@
         </p:blipFill>
         <p:spPr>
           <a:xfrm>
-            <a:off x="2974295" y="2890378"/>
+            <a:off x="2804962" y="993844"/>
             <a:ext cx="4012039" cy="5560711"/>
           </a:xfrm>
           <a:prstGeom prst="rect">
@@ -6973,7 +6973,7 @@
         </p:blipFill>
         <p:spPr>
           <a:xfrm>
-            <a:off x="7687733" y="2159900"/>
+            <a:off x="6986334" y="880830"/>
             <a:ext cx="4504267" cy="5673725"/>
           </a:xfrm>
           <a:prstGeom prst="rect">
@@ -8276,15 +8276,7 @@
             </a:r>
             <a:r>
               <a:rPr lang="zh-CN" altLang="en-US" sz="2400" dirty="0" smtClean="0"/>
-              <a:t>分制作</a:t>
-            </a:r>
-            <a:r>
-              <a:rPr lang="zh-CN" altLang="en-US" sz="2400" dirty="0" smtClean="0"/>
-              <a:t> </a:t>
-            </a:r>
-            <a:r>
-              <a:rPr lang="zh-CN" altLang="en-US" sz="2400" dirty="0" smtClean="0"/>
-              <a:t>评</a:t>
+              <a:t>分制作 评</a:t>
             </a:r>
             <a:r>
               <a:rPr lang="zh-CN" altLang="en-US" sz="2400" dirty="0"/>
@@ -8306,11 +8298,7 @@
             </a:r>
             <a:r>
               <a:rPr lang="zh-CN" altLang="en-US" sz="2400" dirty="0" smtClean="0"/>
-              <a:t>：维护部分</a:t>
-            </a:r>
-            <a:r>
-              <a:rPr lang="zh-CN" altLang="en-US" sz="2400" dirty="0" smtClean="0"/>
-              <a:t>翻转课堂</a:t>
+              <a:t>：维护部分翻转课堂</a:t>
             </a:r>
             <a:r>
               <a:rPr lang="en-US" altLang="zh-CN" sz="2400" dirty="0" smtClean="0"/>
@@ -8318,11 +8306,7 @@
             </a:r>
             <a:r>
               <a:rPr lang="zh-CN" altLang="en-US" sz="2400" dirty="0" smtClean="0"/>
-              <a:t>制作</a:t>
-            </a:r>
-            <a:r>
-              <a:rPr lang="zh-CN" altLang="en-US" sz="2400" dirty="0" smtClean="0"/>
-              <a:t> </a:t>
+              <a:t>制作 </a:t>
             </a:r>
             <a:r>
               <a:rPr lang="zh-CN" altLang="en-US" sz="2400" dirty="0"/>
